--- a/stcshop/doc/01. 산출물 템플릿/004_프로세스다이어그램(장준근).pptx
+++ b/stcshop/doc/01. 산출물 템플릿/004_프로세스다이어그램(장준근).pptx
@@ -243,7 +243,7 @@
           <a:p>
             <a:fld id="{AE184440-5010-4875-9AD8-F470B94BB606}" type="datetimeFigureOut">
               <a:rPr lang="ko-KR" altLang="en-US" smtClean="0"/>
-              <a:t>2024-01-22</a:t>
+              <a:t>2024-01-23</a:t>
             </a:fld>
             <a:endParaRPr lang="ko-KR" altLang="en-US"/>
           </a:p>
@@ -420,7 +420,7 @@
           <a:p>
             <a:fld id="{E914E0D7-ACDA-438C-B657-6EE09FCBB0F2}" type="datetimeFigureOut">
               <a:rPr lang="ko-KR" altLang="en-US" smtClean="0"/>
-              <a:t>2024-01-22</a:t>
+              <a:t>2024-01-23</a:t>
             </a:fld>
             <a:endParaRPr lang="ko-KR" altLang="en-US"/>
           </a:p>
@@ -20484,7 +20484,7 @@
           <a:p>
             <a:fld id="{F4F14624-73AA-49BD-80FC-4BA1290B629D}" type="datetimeFigureOut">
               <a:rPr lang="ko-KR" altLang="en-US" smtClean="0"/>
-              <a:t>2024-01-22</a:t>
+              <a:t>2024-01-23</a:t>
             </a:fld>
             <a:endParaRPr lang="ko-KR" altLang="en-US"/>
           </a:p>
@@ -29351,8 +29351,8 @@
         </p:nvCxnSpPr>
         <p:spPr bwMode="auto">
           <a:xfrm>
-            <a:off x="5807310" y="5658725"/>
-            <a:ext cx="0" cy="267132"/>
+            <a:off x="5807310" y="5631017"/>
+            <a:ext cx="0" cy="294840"/>
           </a:xfrm>
           <a:prstGeom prst="straightConnector1">
             <a:avLst/>
@@ -29386,7 +29386,7 @@
         </p:nvSpPr>
         <p:spPr bwMode="auto">
           <a:xfrm>
-            <a:off x="5395836" y="5280685"/>
+            <a:off x="5395836" y="5252977"/>
             <a:ext cx="822948" cy="378040"/>
           </a:xfrm>
           <a:prstGeom prst="flowChartProcess">
@@ -30639,8 +30639,8 @@
         </p:nvCxnSpPr>
         <p:spPr bwMode="auto">
           <a:xfrm rot="16200000" flipH="1">
-            <a:off x="4304277" y="3777652"/>
-            <a:ext cx="461164" cy="2544902"/>
+            <a:off x="4318131" y="3763798"/>
+            <a:ext cx="433456" cy="2544902"/>
           </a:xfrm>
           <a:prstGeom prst="bentConnector3">
             <a:avLst>
@@ -30680,8 +30680,8 @@
         </p:nvCxnSpPr>
         <p:spPr bwMode="auto">
           <a:xfrm rot="5400000">
-            <a:off x="6873704" y="3738570"/>
-            <a:ext cx="475721" cy="2608508"/>
+            <a:off x="6887558" y="3724716"/>
+            <a:ext cx="448013" cy="2608508"/>
           </a:xfrm>
           <a:prstGeom prst="bentConnector3">
             <a:avLst>
